--- a/ppt/R-09-Matrix.pptx
+++ b/ppt/R-09-Matrix.pptx
@@ -3712,7 +3712,6 @@
               <a:rPr lang="fr-FR" altLang="fr-FR" dirty="0" smtClean="0"/>
               <a:t>Matrix</a:t>
             </a:r>
-            <a:endParaRPr lang="fr-FR" altLang="fr-FR" dirty="0" smtClean="0"/>
           </a:p>
           <a:p>
             <a:pPr eaLnBrk="1" hangingPunct="1"/>
@@ -4837,7 +4836,23 @@
             </a:r>
             <a:r>
               <a:rPr lang="fr-FR" dirty="0" smtClean="0"/>
-              <a:t> = 1 + 2i où i**2 = -1</a:t>
+              <a:t> = 1 + 2i </a:t>
+            </a:r>
+            <a:endParaRPr lang="fr-FR" dirty="0" smtClean="0"/>
+          </a:p>
+          <a:p>
+            <a:pPr lvl="2"/>
+            <a:r>
+              <a:rPr lang="fr-FR" dirty="0"/>
+              <a:t>1</a:t>
+            </a:r>
+            <a:r>
+              <a:rPr lang="fr-FR" dirty="0" smtClean="0"/>
+              <a:t>i</a:t>
+            </a:r>
+            <a:r>
+              <a:rPr lang="fr-FR" dirty="0" smtClean="0"/>
+              <a:t>**2 = -1</a:t>
             </a:r>
           </a:p>
           <a:p>
